--- a/Präsentation_Umwelt.pptx
+++ b/Präsentation_Umwelt.pptx
@@ -5,7 +5,7 @@
     <p:sldMasterId id="2147483681" r:id="rId1"/>
   </p:sldMasterIdLst>
   <p:notesMasterIdLst>
-    <p:notesMasterId r:id="rId15"/>
+    <p:notesMasterId r:id="rId16"/>
   </p:notesMasterIdLst>
   <p:sldIdLst>
     <p:sldId id="256" r:id="rId2"/>
@@ -15,39 +15,40 @@
     <p:sldId id="314" r:id="rId6"/>
     <p:sldId id="260" r:id="rId7"/>
     <p:sldId id="265" r:id="rId8"/>
-    <p:sldId id="262" r:id="rId9"/>
-    <p:sldId id="311" r:id="rId10"/>
-    <p:sldId id="312" r:id="rId11"/>
-    <p:sldId id="315" r:id="rId12"/>
-    <p:sldId id="313" r:id="rId13"/>
-    <p:sldId id="316" r:id="rId14"/>
+    <p:sldId id="315" r:id="rId9"/>
+    <p:sldId id="262" r:id="rId10"/>
+    <p:sldId id="311" r:id="rId11"/>
+    <p:sldId id="320" r:id="rId12"/>
+    <p:sldId id="318" r:id="rId13"/>
+    <p:sldId id="319" r:id="rId14"/>
+    <p:sldId id="316" r:id="rId15"/>
   </p:sldIdLst>
   <p:sldSz cx="9144000" cy="5143500" type="screen16x9"/>
   <p:notesSz cx="6858000" cy="9144000"/>
   <p:embeddedFontLst>
     <p:embeddedFont>
       <p:font typeface="Bebas Neue" panose="020B0606020202050201" pitchFamily="34" charset="0"/>
-      <p:regular r:id="rId16"/>
+      <p:regular r:id="rId17"/>
     </p:embeddedFont>
     <p:embeddedFont>
       <p:font typeface="Catamaran" panose="020B0604020202020204" charset="0"/>
-      <p:regular r:id="rId17"/>
-      <p:bold r:id="rId18"/>
+      <p:regular r:id="rId18"/>
+      <p:bold r:id="rId19"/>
     </p:embeddedFont>
     <p:embeddedFont>
       <p:font typeface="Hind Madurai" panose="02000000000000000000" pitchFamily="2" charset="0"/>
-      <p:regular r:id="rId19"/>
-      <p:bold r:id="rId20"/>
+      <p:regular r:id="rId20"/>
+      <p:bold r:id="rId21"/>
     </p:embeddedFont>
     <p:embeddedFont>
       <p:font typeface="Kumbh Sans" panose="020B0604020202020204" charset="0"/>
-      <p:regular r:id="rId21"/>
-      <p:bold r:id="rId22"/>
+      <p:regular r:id="rId22"/>
+      <p:bold r:id="rId23"/>
     </p:embeddedFont>
     <p:embeddedFont>
       <p:font typeface="Nunito Light" pitchFamily="2" charset="0"/>
-      <p:regular r:id="rId23"/>
-      <p:italic r:id="rId24"/>
+      <p:regular r:id="rId24"/>
+      <p:italic r:id="rId25"/>
     </p:embeddedFont>
   </p:embeddedFontLst>
   <p:defaultTextStyle>
@@ -837,7 +838,7 @@
   <p:cSld>
     <p:spTree>
       <p:nvGrpSpPr>
-        <p:cNvPr id="1" name="Shape 386"/>
+        <p:cNvPr id="1" name="Shape 441"/>
         <p:cNvGrpSpPr/>
         <p:nvPr/>
       </p:nvGrpSpPr>
@@ -851,7 +852,7 @@
       </p:grpSpPr>
       <p:sp>
         <p:nvSpPr>
-          <p:cNvPr id="387" name="Google Shape;387;g54dda1946d_6_322:notes"/>
+          <p:cNvPr id="442" name="Google Shape;442;gd5260bdd85_0_256:notes"/>
           <p:cNvSpPr>
             <a:spLocks noGrp="1" noRot="1" noChangeAspect="1"/>
           </p:cNvSpPr>
@@ -892,7 +893,7 @@
       </p:sp>
       <p:sp>
         <p:nvSpPr>
-          <p:cNvPr id="388" name="Google Shape;388;g54dda1946d_6_322:notes"/>
+          <p:cNvPr id="443" name="Google Shape;443;gd5260bdd85_0_256:notes"/>
           <p:cNvSpPr txBox="1">
             <a:spLocks noGrp="1"/>
           </p:cNvSpPr>
@@ -931,7 +932,7 @@
     </p:spTree>
     <p:extLst>
       <p:ext uri="{BB962C8B-B14F-4D97-AF65-F5344CB8AC3E}">
-        <p14:creationId xmlns:p14="http://schemas.microsoft.com/office/powerpoint/2010/main" val="729439644"/>
+        <p14:creationId xmlns:p14="http://schemas.microsoft.com/office/powerpoint/2010/main" val="3002227329"/>
       </p:ext>
     </p:extLst>
   </p:cSld>
@@ -1040,7 +1041,7 @@
     </p:spTree>
     <p:extLst>
       <p:ext uri="{BB962C8B-B14F-4D97-AF65-F5344CB8AC3E}">
-        <p14:creationId xmlns:p14="http://schemas.microsoft.com/office/powerpoint/2010/main" val="325637974"/>
+        <p14:creationId xmlns:p14="http://schemas.microsoft.com/office/powerpoint/2010/main" val="3339424510"/>
       </p:ext>
     </p:extLst>
   </p:cSld>
@@ -1149,7 +1150,7 @@
     </p:spTree>
     <p:extLst>
       <p:ext uri="{BB962C8B-B14F-4D97-AF65-F5344CB8AC3E}">
-        <p14:creationId xmlns:p14="http://schemas.microsoft.com/office/powerpoint/2010/main" val="2676613104"/>
+        <p14:creationId xmlns:p14="http://schemas.microsoft.com/office/powerpoint/2010/main" val="1612342948"/>
       </p:ext>
     </p:extLst>
   </p:cSld>
@@ -1160,6 +1161,115 @@
 </file>
 
 <file path=ppt/notesSlides/notesSlide13.xml><?xml version="1.0" encoding="utf-8"?>
+<p:notes xmlns:a="http://schemas.openxmlformats.org/drawingml/2006/main" xmlns:r="http://schemas.openxmlformats.org/officeDocument/2006/relationships" xmlns:p="http://schemas.openxmlformats.org/presentationml/2006/main" showMasterSp="0" showMasterPhAnim="0">
+  <p:cSld>
+    <p:spTree>
+      <p:nvGrpSpPr>
+        <p:cNvPr id="1" name="Shape 386"/>
+        <p:cNvGrpSpPr/>
+        <p:nvPr/>
+      </p:nvGrpSpPr>
+      <p:grpSpPr>
+        <a:xfrm>
+          <a:off x="0" y="0"/>
+          <a:ext cx="0" cy="0"/>
+          <a:chOff x="0" y="0"/>
+          <a:chExt cx="0" cy="0"/>
+        </a:xfrm>
+      </p:grpSpPr>
+      <p:sp>
+        <p:nvSpPr>
+          <p:cNvPr id="387" name="Google Shape;387;g54dda1946d_6_322:notes"/>
+          <p:cNvSpPr>
+            <a:spLocks noGrp="1" noRot="1" noChangeAspect="1"/>
+          </p:cNvSpPr>
+          <p:nvPr>
+            <p:ph type="sldImg" idx="2"/>
+          </p:nvPr>
+        </p:nvSpPr>
+        <p:spPr>
+          <a:xfrm>
+            <a:off x="381000" y="685800"/>
+            <a:ext cx="6096000" cy="3429000"/>
+          </a:xfrm>
+          <a:custGeom>
+            <a:avLst/>
+            <a:gdLst/>
+            <a:ahLst/>
+            <a:cxnLst/>
+            <a:rect l="l" t="t" r="r" b="b"/>
+            <a:pathLst>
+              <a:path w="120000" h="120000" extrusionOk="0">
+                <a:moveTo>
+                  <a:pt x="0" y="0"/>
+                </a:moveTo>
+                <a:lnTo>
+                  <a:pt x="120000" y="0"/>
+                </a:lnTo>
+                <a:lnTo>
+                  <a:pt x="120000" y="120000"/>
+                </a:lnTo>
+                <a:lnTo>
+                  <a:pt x="0" y="120000"/>
+                </a:lnTo>
+                <a:close/>
+              </a:path>
+            </a:pathLst>
+          </a:custGeom>
+        </p:spPr>
+      </p:sp>
+      <p:sp>
+        <p:nvSpPr>
+          <p:cNvPr id="388" name="Google Shape;388;g54dda1946d_6_322:notes"/>
+          <p:cNvSpPr txBox="1">
+            <a:spLocks noGrp="1"/>
+          </p:cNvSpPr>
+          <p:nvPr>
+            <p:ph type="body" idx="1"/>
+          </p:nvPr>
+        </p:nvSpPr>
+        <p:spPr>
+          <a:xfrm>
+            <a:off x="685800" y="4343400"/>
+            <a:ext cx="5486400" cy="4114800"/>
+          </a:xfrm>
+          <a:prstGeom prst="rect">
+            <a:avLst/>
+          </a:prstGeom>
+        </p:spPr>
+        <p:txBody>
+          <a:bodyPr spcFirstLastPara="1" wrap="square" lIns="91425" tIns="91425" rIns="91425" bIns="91425" anchor="t" anchorCtr="0">
+            <a:noAutofit/>
+          </a:bodyPr>
+          <a:lstStyle/>
+          <a:p>
+            <a:pPr marL="0" lvl="0" indent="0" algn="l" rtl="0">
+              <a:spcBef>
+                <a:spcPts val="0"/>
+              </a:spcBef>
+              <a:spcAft>
+                <a:spcPts val="0"/>
+              </a:spcAft>
+              <a:buNone/>
+            </a:pPr>
+            <a:endParaRPr/>
+          </a:p>
+        </p:txBody>
+      </p:sp>
+    </p:spTree>
+    <p:extLst>
+      <p:ext uri="{BB962C8B-B14F-4D97-AF65-F5344CB8AC3E}">
+        <p14:creationId xmlns:p14="http://schemas.microsoft.com/office/powerpoint/2010/main" val="3346797211"/>
+      </p:ext>
+    </p:extLst>
+  </p:cSld>
+  <p:clrMapOvr>
+    <a:masterClrMapping/>
+  </p:clrMapOvr>
+</p:notes>
+</file>
+
+<file path=ppt/notesSlides/notesSlide14.xml><?xml version="1.0" encoding="utf-8"?>
 <p:notes xmlns:a="http://schemas.openxmlformats.org/drawingml/2006/main" xmlns:r="http://schemas.openxmlformats.org/officeDocument/2006/relationships" xmlns:p="http://schemas.openxmlformats.org/presentationml/2006/main" showMasterSp="0" showMasterPhAnim="0">
   <p:cSld>
     <p:spTree>
@@ -1999,6 +2109,11 @@
         </p:txBody>
       </p:sp>
     </p:spTree>
+    <p:extLst>
+      <p:ext uri="{BB962C8B-B14F-4D97-AF65-F5344CB8AC3E}">
+        <p14:creationId xmlns:p14="http://schemas.microsoft.com/office/powerpoint/2010/main" val="325637974"/>
+      </p:ext>
+    </p:extLst>
   </p:cSld>
   <p:clrMapOvr>
     <a:masterClrMapping/>
@@ -2011,7 +2126,7 @@
   <p:cSld>
     <p:spTree>
       <p:nvGrpSpPr>
-        <p:cNvPr id="1" name="Shape 441"/>
+        <p:cNvPr id="1" name="Shape 386"/>
         <p:cNvGrpSpPr/>
         <p:nvPr/>
       </p:nvGrpSpPr>
@@ -2025,7 +2140,7 @@
       </p:grpSpPr>
       <p:sp>
         <p:nvSpPr>
-          <p:cNvPr id="442" name="Google Shape;442;gd5260bdd85_0_256:notes"/>
+          <p:cNvPr id="387" name="Google Shape;387;g54dda1946d_6_322:notes"/>
           <p:cNvSpPr>
             <a:spLocks noGrp="1" noRot="1" noChangeAspect="1"/>
           </p:cNvSpPr>
@@ -2066,7 +2181,7 @@
       </p:sp>
       <p:sp>
         <p:nvSpPr>
-          <p:cNvPr id="443" name="Google Shape;443;gd5260bdd85_0_256:notes"/>
+          <p:cNvPr id="388" name="Google Shape;388;g54dda1946d_6_322:notes"/>
           <p:cNvSpPr txBox="1">
             <a:spLocks noGrp="1"/>
           </p:cNvSpPr>
@@ -2103,11 +2218,6 @@
         </p:txBody>
       </p:sp>
     </p:spTree>
-    <p:extLst>
-      <p:ext uri="{BB962C8B-B14F-4D97-AF65-F5344CB8AC3E}">
-        <p14:creationId xmlns:p14="http://schemas.microsoft.com/office/powerpoint/2010/main" val="3002227329"/>
-      </p:ext>
-    </p:extLst>
   </p:cSld>
   <p:clrMapOvr>
     <a:masterClrMapping/>
@@ -10935,7 +11045,7 @@
   <p:cSld>
     <p:spTree>
       <p:nvGrpSpPr>
-        <p:cNvPr id="1" name="Shape 389"/>
+        <p:cNvPr id="1" name="Shape 444"/>
         <p:cNvGrpSpPr/>
         <p:nvPr/>
       </p:nvGrpSpPr>
@@ -10947,94 +11057,61 @@
           <a:chExt cx="0" cy="0"/>
         </a:xfrm>
       </p:grpSpPr>
-      <p:grpSp>
-        <p:nvGrpSpPr>
-          <p:cNvPr id="390" name="Google Shape;390;p42"/>
-          <p:cNvGrpSpPr/>
-          <p:nvPr/>
-        </p:nvGrpSpPr>
-        <p:grpSpPr>
-          <a:xfrm>
-            <a:off x="6805399" y="2483126"/>
-            <a:ext cx="2189451" cy="2477274"/>
-            <a:chOff x="6805399" y="2483126"/>
-            <a:chExt cx="2189451" cy="2477274"/>
-          </a:xfrm>
-        </p:grpSpPr>
-        <p:pic>
-          <p:nvPicPr>
-            <p:cNvPr id="391" name="Google Shape;391;p42"/>
-            <p:cNvPicPr preferRelativeResize="0"/>
-            <p:nvPr/>
-          </p:nvPicPr>
-          <p:blipFill>
-            <a:blip r:embed="rId3">
-              <a:alphaModFix/>
-            </a:blip>
-            <a:stretch>
-              <a:fillRect/>
-            </a:stretch>
-          </p:blipFill>
-          <p:spPr>
-            <a:xfrm rot="-3837203" flipH="1">
-              <a:off x="7062529" y="3231292"/>
-              <a:ext cx="1466142" cy="1487715"/>
-            </a:xfrm>
-            <a:prstGeom prst="rect">
-              <a:avLst/>
-            </a:prstGeom>
-            <a:noFill/>
-            <a:ln>
-              <a:noFill/>
-            </a:ln>
-            <a:effectLst>
-              <a:outerShdw blurRad="57150" dist="19050" dir="5400000" algn="bl" rotWithShape="0">
-                <a:srgbClr val="000000">
-                  <a:alpha val="25000"/>
-                </a:srgbClr>
-              </a:outerShdw>
-            </a:effectLst>
-          </p:spPr>
-        </p:pic>
-        <p:pic>
-          <p:nvPicPr>
-            <p:cNvPr id="392" name="Google Shape;392;p42"/>
-            <p:cNvPicPr preferRelativeResize="0"/>
-            <p:nvPr/>
-          </p:nvPicPr>
-          <p:blipFill>
-            <a:blip r:embed="rId4">
-              <a:alphaModFix/>
-            </a:blip>
-            <a:stretch>
-              <a:fillRect/>
-            </a:stretch>
-          </p:blipFill>
-          <p:spPr>
-            <a:xfrm rot="4115103" flipH="1">
-              <a:off x="7216789" y="2702963"/>
-              <a:ext cx="1538633" cy="1563662"/>
-            </a:xfrm>
-            <a:prstGeom prst="rect">
-              <a:avLst/>
-            </a:prstGeom>
-            <a:noFill/>
-            <a:ln>
-              <a:noFill/>
-            </a:ln>
-            <a:effectLst>
-              <a:outerShdw blurRad="57150" dist="19050" dir="5400000" algn="bl" rotWithShape="0">
-                <a:srgbClr val="000000">
-                  <a:alpha val="25000"/>
-                </a:srgbClr>
-              </a:outerShdw>
-            </a:effectLst>
-          </p:spPr>
-        </p:pic>
-      </p:grpSp>
       <p:sp>
         <p:nvSpPr>
-          <p:cNvPr id="393" name="Google Shape;393;p42"/>
+          <p:cNvPr id="447" name="Google Shape;447;p45"/>
+          <p:cNvSpPr/>
+          <p:nvPr/>
+        </p:nvSpPr>
+        <p:spPr>
+          <a:xfrm>
+            <a:off x="2021968" y="1930874"/>
+            <a:ext cx="631500" cy="631500"/>
+          </a:xfrm>
+          <a:prstGeom prst="ellipse">
+            <a:avLst/>
+          </a:prstGeom>
+          <a:solidFill>
+            <a:schemeClr val="lt2"/>
+          </a:solidFill>
+          <a:ln>
+            <a:noFill/>
+          </a:ln>
+          <a:effectLst>
+            <a:outerShdw blurRad="57150" dist="19050" dir="5400000" algn="bl" rotWithShape="0">
+              <a:srgbClr val="000000">
+                <a:alpha val="50000"/>
+              </a:srgbClr>
+            </a:outerShdw>
+          </a:effectLst>
+        </p:spPr>
+        <p:txBody>
+          <a:bodyPr spcFirstLastPara="1" wrap="square" lIns="91425" tIns="91425" rIns="91425" bIns="91425" anchor="ctr" anchorCtr="0">
+            <a:noAutofit/>
+          </a:bodyPr>
+          <a:lstStyle/>
+          <a:p>
+            <a:pPr marL="0" lvl="0" indent="0" algn="ctr" rtl="0">
+              <a:spcBef>
+                <a:spcPts val="0"/>
+              </a:spcBef>
+              <a:spcAft>
+                <a:spcPts val="0"/>
+              </a:spcAft>
+              <a:buNone/>
+            </a:pPr>
+            <a:endParaRPr>
+              <a:latin typeface="Catamaran"/>
+              <a:ea typeface="Catamaran"/>
+              <a:cs typeface="Catamaran"/>
+              <a:sym typeface="Catamaran"/>
+            </a:endParaRPr>
+          </a:p>
+        </p:txBody>
+      </p:sp>
+      <p:sp>
+        <p:nvSpPr>
+          <p:cNvPr id="449" name="Google Shape;449;p45"/>
           <p:cNvSpPr txBox="1">
             <a:spLocks noGrp="1"/>
           </p:cNvSpPr>
@@ -11044,8 +11121,8 @@
         </p:nvSpPr>
         <p:spPr>
           <a:xfrm>
-            <a:off x="2506925" y="471800"/>
-            <a:ext cx="3770400" cy="1173900"/>
+            <a:off x="719999" y="445025"/>
+            <a:ext cx="7948215" cy="572700"/>
           </a:xfrm>
           <a:prstGeom prst="rect">
             <a:avLst/>
@@ -11057,7 +11134,7 @@
           </a:bodyPr>
           <a:lstStyle/>
           <a:p>
-            <a:pPr marL="0" lvl="0" indent="0" algn="l" rtl="0">
+            <a:pPr marL="0" lvl="0" indent="0" algn="ctr" rtl="0">
               <a:spcBef>
                 <a:spcPts val="0"/>
               </a:spcBef>
@@ -11068,7 +11145,7 @@
             </a:pPr>
             <a:r>
               <a:rPr lang="en" dirty="0"/>
-              <a:t>Ergebnis</a:t>
+              <a:t>Vorhersagemethoden mit neuronalem Netz</a:t>
             </a:r>
             <a:endParaRPr dirty="0"/>
           </a:p>
@@ -11076,75 +11153,54 @@
       </p:sp>
       <p:sp>
         <p:nvSpPr>
-          <p:cNvPr id="394" name="Google Shape;394;p42"/>
+          <p:cNvPr id="457" name="Google Shape;457;p45"/>
           <p:cNvSpPr txBox="1">
             <a:spLocks noGrp="1"/>
           </p:cNvSpPr>
           <p:nvPr>
-            <p:ph type="subTitle" idx="1"/>
+            <p:ph type="subTitle" idx="8"/>
           </p:nvPr>
         </p:nvSpPr>
         <p:spPr>
           <a:xfrm>
-            <a:off x="1437221" y="1395152"/>
-            <a:ext cx="4033800" cy="2203500"/>
+            <a:off x="2789218" y="2002424"/>
+            <a:ext cx="4170208" cy="488400"/>
           </a:xfrm>
           <a:prstGeom prst="rect">
             <a:avLst/>
           </a:prstGeom>
         </p:spPr>
         <p:txBody>
-          <a:bodyPr spcFirstLastPara="1" wrap="square" lIns="91425" tIns="91425" rIns="91425" bIns="91425" anchor="t" anchorCtr="0">
+          <a:bodyPr spcFirstLastPara="1" wrap="square" lIns="91425" tIns="91425" rIns="91425" bIns="91425" anchor="b" anchorCtr="0">
             <a:noAutofit/>
           </a:bodyPr>
           <a:lstStyle/>
           <a:p>
-            <a:pPr marL="285750" indent="-285750">
-              <a:buSzPts val="1100"/>
+            <a:pPr marL="0" lvl="0" indent="0" algn="l" rtl="0">
+              <a:spcBef>
+                <a:spcPts val="0"/>
+              </a:spcBef>
+              <a:spcAft>
+                <a:spcPts val="0"/>
+              </a:spcAft>
+              <a:buNone/>
             </a:pPr>
             <a:r>
-              <a:rPr lang="de-DE" dirty="0"/>
-              <a:t>In der Vorhersage sind die Werte nicht so schwankend wie die eigentlichen Werte</a:t>
+              <a:rPr lang="en" sz="2000" dirty="0"/>
+              <a:t>LSTM, Long Short Term Memory</a:t>
             </a:r>
-          </a:p>
-          <a:p>
-            <a:pPr marL="285750" indent="-285750">
-              <a:buSzPts val="1100"/>
-            </a:pPr>
-            <a:r>
-              <a:rPr lang="de-DE" dirty="0"/>
-              <a:t>Für die Landwerte ist das Model nicht geeignet</a:t>
-            </a:r>
-          </a:p>
-          <a:p>
-            <a:pPr marL="285750" indent="-285750">
-              <a:buSzPts val="1100"/>
-            </a:pPr>
-            <a:r>
-              <a:rPr lang="de-DE" dirty="0"/>
-              <a:t>Für die Stadt Werte PM2.5 gibt es besser geeignete</a:t>
-            </a:r>
-          </a:p>
-          <a:p>
-            <a:pPr marL="285750" indent="-285750">
-              <a:buSzPts val="1100"/>
-            </a:pPr>
-            <a:r>
-              <a:rPr lang="de-DE" dirty="0"/>
-              <a:t>Für die Stadt Werte PM10 ist es das beste Model, da es am besten mit Schwankungen zurechtkommt</a:t>
-            </a:r>
-            <a:endParaRPr dirty="0"/>
+            <a:endParaRPr sz="2000" dirty="0"/>
           </a:p>
         </p:txBody>
       </p:sp>
       <p:pic>
         <p:nvPicPr>
-          <p:cNvPr id="395" name="Google Shape;395;p42"/>
+          <p:cNvPr id="458" name="Google Shape;458;p45"/>
           <p:cNvPicPr preferRelativeResize="0"/>
           <p:nvPr/>
         </p:nvPicPr>
         <p:blipFill>
-          <a:blip r:embed="rId5">
+          <a:blip r:embed="rId3">
             <a:alphaModFix/>
           </a:blip>
           <a:stretch>
@@ -11152,8 +11208,8 @@
           </a:stretch>
         </p:blipFill>
         <p:spPr>
-          <a:xfrm rot="-5782022" flipH="1">
-            <a:off x="4554690" y="3988109"/>
+          <a:xfrm rot="5400089">
+            <a:off x="7442790" y="1618809"/>
             <a:ext cx="491922" cy="767231"/>
           </a:xfrm>
           <a:prstGeom prst="rect">
@@ -11166,55 +11222,18 @@
           <a:effectLst>
             <a:outerShdw blurRad="57150" dist="19050" dir="5400000" algn="bl" rotWithShape="0">
               <a:srgbClr val="000000">
-                <a:alpha val="25000"/>
+                <a:alpha val="24000"/>
               </a:srgbClr>
             </a:outerShdw>
           </a:effectLst>
         </p:spPr>
       </p:pic>
-      <p:sp>
-        <p:nvSpPr>
-          <p:cNvPr id="3" name="Bildplatzhalter 2">
-            <a:extLst>
-              <a:ext uri="{FF2B5EF4-FFF2-40B4-BE49-F238E27FC236}">
-                <a16:creationId xmlns:a16="http://schemas.microsoft.com/office/drawing/2014/main" id="{734F3267-2050-0410-0B12-5F0275B33E34}"/>
-              </a:ext>
-            </a:extLst>
-          </p:cNvPr>
-          <p:cNvSpPr>
-            <a:spLocks noGrp="1"/>
-          </p:cNvSpPr>
-          <p:nvPr>
-            <p:ph type="pic" idx="2"/>
-          </p:nvPr>
-        </p:nvSpPr>
-        <p:spPr>
-          <a:xfrm>
-            <a:off x="6276559" y="1170124"/>
-            <a:ext cx="3201600" cy="3201600"/>
-          </a:xfrm>
-        </p:spPr>
-        <p:txBody>
-          <a:bodyPr/>
-          <a:lstStyle/>
-          <a:p>
-            <a:endParaRPr lang="de-DE" sz="1600" dirty="0">
-              <a:solidFill>
-                <a:schemeClr val="dk1"/>
-              </a:solidFill>
-              <a:latin typeface="Hind Madurai"/>
-              <a:cs typeface="Hind Madurai"/>
-              <a:sym typeface="Hind Madurai"/>
-            </a:endParaRPr>
-          </a:p>
-        </p:txBody>
-      </p:sp>
       <p:pic>
         <p:nvPicPr>
           <p:cNvPr id="7" name="Grafik 6">
             <a:extLst>
               <a:ext uri="{FF2B5EF4-FFF2-40B4-BE49-F238E27FC236}">
-                <a16:creationId xmlns:a16="http://schemas.microsoft.com/office/drawing/2014/main" id="{A9977DE6-2C5E-1BF8-4ED7-72B7E227ADD8}"/>
+                <a16:creationId xmlns:a16="http://schemas.microsoft.com/office/drawing/2014/main" id="{380714CF-AAD2-2ECE-5719-3F39F8EC5983}"/>
               </a:ext>
             </a:extLst>
           </p:cNvPr>
@@ -11224,25 +11243,148 @@
           <p:nvPr/>
         </p:nvPicPr>
         <p:blipFill>
-          <a:blip r:embed="rId6"/>
+          <a:blip r:embed="rId4"/>
           <a:stretch>
             <a:fillRect/>
           </a:stretch>
         </p:blipFill>
         <p:spPr>
           <a:xfrm>
-            <a:off x="6077359" y="1671750"/>
-            <a:ext cx="1800000" cy="1800000"/>
+            <a:off x="2157718" y="2066624"/>
+            <a:ext cx="360000" cy="360000"/>
           </a:xfrm>
           <a:prstGeom prst="rect">
             <a:avLst/>
           </a:prstGeom>
         </p:spPr>
       </p:pic>
+      <p:sp>
+        <p:nvSpPr>
+          <p:cNvPr id="2" name="Textfeld 1">
+            <a:extLst>
+              <a:ext uri="{FF2B5EF4-FFF2-40B4-BE49-F238E27FC236}">
+                <a16:creationId xmlns:a16="http://schemas.microsoft.com/office/drawing/2014/main" id="{3ED0D38B-FFC9-9A91-E6FD-90C6B6B1EB8B}"/>
+              </a:ext>
+            </a:extLst>
+          </p:cNvPr>
+          <p:cNvSpPr txBox="1"/>
+          <p:nvPr/>
+        </p:nvSpPr>
+        <p:spPr>
+          <a:xfrm>
+            <a:off x="2653468" y="2564145"/>
+            <a:ext cx="3620429" cy="1600438"/>
+          </a:xfrm>
+          <a:prstGeom prst="rect">
+            <a:avLst/>
+          </a:prstGeom>
+          <a:noFill/>
+        </p:spPr>
+        <p:txBody>
+          <a:bodyPr wrap="square" rtlCol="0">
+            <a:spAutoFit/>
+          </a:bodyPr>
+          <a:lstStyle/>
+          <a:p>
+            <a:pPr marL="285750" indent="-285750">
+              <a:buFont typeface="Arial" panose="020B0604020202020204" pitchFamily="34" charset="0"/>
+              <a:buChar char="•"/>
+            </a:pPr>
+            <a:r>
+              <a:rPr lang="de-DE" dirty="0">
+                <a:latin typeface="Hind Madurai" panose="02000000000000000000" pitchFamily="2" charset="0"/>
+                <a:cs typeface="Hind Madurai" panose="02000000000000000000" pitchFamily="2" charset="0"/>
+              </a:rPr>
+              <a:t>Sagt den nächsten Zeitschritt anhand den 5 vorgegangenen vorher</a:t>
+            </a:r>
+          </a:p>
+          <a:p>
+            <a:pPr marL="285750" indent="-285750">
+              <a:buFont typeface="Arial" panose="020B0604020202020204" pitchFamily="34" charset="0"/>
+              <a:buChar char="•"/>
+            </a:pPr>
+            <a:r>
+              <a:rPr lang="de-DE" dirty="0">
+                <a:latin typeface="Hind Madurai" panose="02000000000000000000" pitchFamily="2" charset="0"/>
+                <a:cs typeface="Hind Madurai" panose="02000000000000000000" pitchFamily="2" charset="0"/>
+              </a:rPr>
+              <a:t>Hat ein LSTM Layer mit 64 Neuronen</a:t>
+            </a:r>
+          </a:p>
+          <a:p>
+            <a:pPr marL="285750" indent="-285750">
+              <a:buFont typeface="Arial" panose="020B0604020202020204" pitchFamily="34" charset="0"/>
+              <a:buChar char="•"/>
+            </a:pPr>
+            <a:r>
+              <a:rPr lang="de-DE" dirty="0">
+                <a:latin typeface="Hind Madurai" panose="02000000000000000000" pitchFamily="2" charset="0"/>
+                <a:cs typeface="Hind Madurai" panose="02000000000000000000" pitchFamily="2" charset="0"/>
+              </a:rPr>
+              <a:t>Daraufhin eine </a:t>
+            </a:r>
+            <a:r>
+              <a:rPr lang="de-DE" dirty="0" err="1">
+                <a:latin typeface="Hind Madurai" panose="02000000000000000000" pitchFamily="2" charset="0"/>
+                <a:cs typeface="Hind Madurai" panose="02000000000000000000" pitchFamily="2" charset="0"/>
+              </a:rPr>
+              <a:t>Dense</a:t>
+            </a:r>
+            <a:r>
+              <a:rPr lang="de-DE" dirty="0">
+                <a:latin typeface="Hind Madurai" panose="02000000000000000000" pitchFamily="2" charset="0"/>
+                <a:cs typeface="Hind Madurai" panose="02000000000000000000" pitchFamily="2" charset="0"/>
+              </a:rPr>
+              <a:t>-Schicht mit 8 Neuronen und </a:t>
+            </a:r>
+            <a:r>
+              <a:rPr lang="de-DE" dirty="0" err="1">
+                <a:latin typeface="Hind Madurai" panose="02000000000000000000" pitchFamily="2" charset="0"/>
+                <a:cs typeface="Hind Madurai" panose="02000000000000000000" pitchFamily="2" charset="0"/>
+              </a:rPr>
+              <a:t>ReLu</a:t>
+            </a:r>
+            <a:r>
+              <a:rPr lang="de-DE" dirty="0">
+                <a:latin typeface="Hind Madurai" panose="02000000000000000000" pitchFamily="2" charset="0"/>
+                <a:cs typeface="Hind Madurai" panose="02000000000000000000" pitchFamily="2" charset="0"/>
+              </a:rPr>
+              <a:t>-Aktivierung</a:t>
+            </a:r>
+          </a:p>
+          <a:p>
+            <a:pPr marL="285750" indent="-285750">
+              <a:buFont typeface="Arial" panose="020B0604020202020204" pitchFamily="34" charset="0"/>
+              <a:buChar char="•"/>
+            </a:pPr>
+            <a:r>
+              <a:rPr lang="de-DE" dirty="0">
+                <a:latin typeface="Hind Madurai" panose="02000000000000000000" pitchFamily="2" charset="0"/>
+                <a:cs typeface="Hind Madurai" panose="02000000000000000000" pitchFamily="2" charset="0"/>
+              </a:rPr>
+              <a:t>Zum Schluss noch eine </a:t>
+            </a:r>
+            <a:r>
+              <a:rPr lang="de-DE" dirty="0" err="1">
+                <a:latin typeface="Hind Madurai" panose="02000000000000000000" pitchFamily="2" charset="0"/>
+                <a:cs typeface="Hind Madurai" panose="02000000000000000000" pitchFamily="2" charset="0"/>
+              </a:rPr>
+              <a:t>Dense</a:t>
+            </a:r>
+            <a:r>
+              <a:rPr lang="de-DE" dirty="0">
+                <a:latin typeface="Hind Madurai" panose="02000000000000000000" pitchFamily="2" charset="0"/>
+                <a:cs typeface="Hind Madurai" panose="02000000000000000000" pitchFamily="2" charset="0"/>
+              </a:rPr>
+              <a:t>-Schicht mit einem Neuron</a:t>
+            </a:r>
+          </a:p>
+        </p:txBody>
+      </p:sp>
     </p:spTree>
     <p:extLst>
       <p:ext uri="{BB962C8B-B14F-4D97-AF65-F5344CB8AC3E}">
-        <p14:creationId xmlns:p14="http://schemas.microsoft.com/office/powerpoint/2010/main" val="1319860229"/>
+        <p14:creationId xmlns:p14="http://schemas.microsoft.com/office/powerpoint/2010/main" val="2767795348"/>
       </p:ext>
     </p:extLst>
   </p:cSld>
@@ -11366,7 +11508,7 @@
         </p:nvSpPr>
         <p:spPr>
           <a:xfrm>
-            <a:off x="602166" y="471800"/>
+            <a:off x="862869" y="299107"/>
             <a:ext cx="7530790" cy="1173900"/>
           </a:xfrm>
           <a:prstGeom prst="rect">
@@ -11412,7 +11554,7 @@
         </p:blipFill>
         <p:spPr>
           <a:xfrm rot="-5782022" flipH="1">
-            <a:off x="4554690" y="3988109"/>
+            <a:off x="4382303" y="4428942"/>
             <a:ext cx="491922" cy="767231"/>
           </a:xfrm>
           <a:prstGeom prst="rect">
@@ -11513,13 +11655,13 @@
           <p:nvPr>
             <p:extLst>
               <p:ext uri="{D42A27DB-BD31-4B8C-83A1-F6EECF244321}">
-                <p14:modId xmlns:p14="http://schemas.microsoft.com/office/powerpoint/2010/main" val="3719786283"/>
+                <p14:modId xmlns:p14="http://schemas.microsoft.com/office/powerpoint/2010/main" val="68479837"/>
               </p:ext>
             </p:extLst>
           </p:nvPr>
         </p:nvGraphicFramePr>
         <p:xfrm>
-          <a:off x="500348" y="1416923"/>
+          <a:off x="1151391" y="1420519"/>
           <a:ext cx="6600654" cy="3157540"/>
         </p:xfrm>
         <a:graphic>
@@ -12015,7 +12157,7 @@
     </p:spTree>
     <p:extLst>
       <p:ext uri="{BB962C8B-B14F-4D97-AF65-F5344CB8AC3E}">
-        <p14:creationId xmlns:p14="http://schemas.microsoft.com/office/powerpoint/2010/main" val="2140292792"/>
+        <p14:creationId xmlns:p14="http://schemas.microsoft.com/office/powerpoint/2010/main" val="546224919"/>
       </p:ext>
     </p:extLst>
   </p:cSld>
@@ -12139,8 +12281,8 @@
         </p:nvSpPr>
         <p:spPr>
           <a:xfrm>
-            <a:off x="1382750" y="471800"/>
-            <a:ext cx="5828371" cy="1173900"/>
+            <a:off x="1966178" y="384075"/>
+            <a:ext cx="2010045" cy="1173900"/>
           </a:xfrm>
           <a:prstGeom prst="rect">
             <a:avLst/>
@@ -12163,7 +12305,7 @@
             </a:pPr>
             <a:r>
               <a:rPr lang="en" dirty="0"/>
-              <a:t>Ergebnis Lineare Regression</a:t>
+              <a:t>Ergebnis</a:t>
             </a:r>
             <a:endParaRPr dirty="0"/>
           </a:p>
@@ -12181,8 +12323,8 @@
         </p:nvSpPr>
         <p:spPr>
           <a:xfrm>
-            <a:off x="1437221" y="1395152"/>
-            <a:ext cx="4033800" cy="2203500"/>
+            <a:off x="870800" y="1628551"/>
+            <a:ext cx="4600221" cy="2203500"/>
           </a:xfrm>
           <a:prstGeom prst="rect">
             <a:avLst/>
@@ -12199,7 +12341,7 @@
             </a:pPr>
             <a:r>
               <a:rPr lang="de-DE" dirty="0"/>
-              <a:t>Die Regressionsgeraden besitzen fast keine Steigung</a:t>
+              <a:t>Das Modell glättet die Vorhersagewerte, sodass sie weniger stark schwanken als die tatsächlichen Werte.</a:t>
             </a:r>
           </a:p>
           <a:p>
@@ -12208,7 +12350,7 @@
             </a:pPr>
             <a:r>
               <a:rPr lang="de-DE" dirty="0"/>
-              <a:t>Bei den Landboxen sehr leicht sinkend</a:t>
+              <a:t>Für die Vorhersage von PM10-Werten in städtischen Gebieten ist dieses Modell optimal, da es am besten mit den Schwankungen der Werte umgehen kann</a:t>
             </a:r>
           </a:p>
           <a:p>
@@ -12217,24 +12359,13 @@
             </a:pPr>
             <a:r>
               <a:rPr lang="de-DE" dirty="0"/>
-              <a:t>In der Stadt sind die Regressionsgeraden leicht steigend</a:t>
+              <a:t>Für die anderen Werte gibt es bessere Modelle</a:t>
             </a:r>
           </a:p>
           <a:p>
-            <a:pPr marL="285750" indent="-285750">
+            <a:pPr marL="0" indent="0">
               <a:buSzPts val="1100"/>
-            </a:pPr>
-            <a:endParaRPr lang="de-DE" dirty="0"/>
-          </a:p>
-          <a:p>
-            <a:pPr marL="285750" indent="-285750">
-              <a:buSzPts val="1100"/>
-            </a:pPr>
-            <a:endParaRPr lang="de-DE" dirty="0"/>
-          </a:p>
-          <a:p>
-            <a:pPr marL="285750" indent="-285750">
-              <a:buSzPts val="1100"/>
+              <a:buNone/>
             </a:pPr>
             <a:endParaRPr dirty="0"/>
           </a:p>
@@ -12291,24 +12422,12 @@
             <p:ph type="pic" idx="2"/>
           </p:nvPr>
         </p:nvSpPr>
-        <p:spPr>
-          <a:xfrm>
-            <a:off x="6276559" y="1170124"/>
-            <a:ext cx="3201600" cy="3201600"/>
-          </a:xfrm>
-        </p:spPr>
+        <p:spPr/>
         <p:txBody>
           <a:bodyPr/>
           <a:lstStyle/>
           <a:p>
-            <a:endParaRPr lang="de-DE" sz="1600" dirty="0">
-              <a:solidFill>
-                <a:schemeClr val="dk1"/>
-              </a:solidFill>
-              <a:latin typeface="Hind Madurai"/>
-              <a:cs typeface="Hind Madurai"/>
-              <a:sym typeface="Hind Madurai"/>
-            </a:endParaRPr>
+            <a:endParaRPr lang="de-DE" dirty="0"/>
           </a:p>
         </p:txBody>
       </p:sp>
@@ -12345,7 +12464,7 @@
     </p:spTree>
     <p:extLst>
       <p:ext uri="{BB962C8B-B14F-4D97-AF65-F5344CB8AC3E}">
-        <p14:creationId xmlns:p14="http://schemas.microsoft.com/office/powerpoint/2010/main" val="4287944443"/>
+        <p14:creationId xmlns:p14="http://schemas.microsoft.com/office/powerpoint/2010/main" val="3671584280"/>
       </p:ext>
     </p:extLst>
   </p:cSld>
@@ -12356,6 +12475,307 @@
 </file>
 
 <file path=ppt/slides/slide13.xml><?xml version="1.0" encoding="utf-8"?>
+<p:sld xmlns:a="http://schemas.openxmlformats.org/drawingml/2006/main" xmlns:r="http://schemas.openxmlformats.org/officeDocument/2006/relationships" xmlns:p="http://schemas.openxmlformats.org/presentationml/2006/main">
+  <p:cSld>
+    <p:spTree>
+      <p:nvGrpSpPr>
+        <p:cNvPr id="1" name="Shape 389"/>
+        <p:cNvGrpSpPr/>
+        <p:nvPr/>
+      </p:nvGrpSpPr>
+      <p:grpSpPr>
+        <a:xfrm>
+          <a:off x="0" y="0"/>
+          <a:ext cx="0" cy="0"/>
+          <a:chOff x="0" y="0"/>
+          <a:chExt cx="0" cy="0"/>
+        </a:xfrm>
+      </p:grpSpPr>
+      <p:grpSp>
+        <p:nvGrpSpPr>
+          <p:cNvPr id="390" name="Google Shape;390;p42"/>
+          <p:cNvGrpSpPr/>
+          <p:nvPr/>
+        </p:nvGrpSpPr>
+        <p:grpSpPr>
+          <a:xfrm>
+            <a:off x="6805399" y="2483126"/>
+            <a:ext cx="2189451" cy="2477274"/>
+            <a:chOff x="6805399" y="2483126"/>
+            <a:chExt cx="2189451" cy="2477274"/>
+          </a:xfrm>
+        </p:grpSpPr>
+        <p:pic>
+          <p:nvPicPr>
+            <p:cNvPr id="391" name="Google Shape;391;p42"/>
+            <p:cNvPicPr preferRelativeResize="0"/>
+            <p:nvPr/>
+          </p:nvPicPr>
+          <p:blipFill>
+            <a:blip r:embed="rId3">
+              <a:alphaModFix/>
+            </a:blip>
+            <a:stretch>
+              <a:fillRect/>
+            </a:stretch>
+          </p:blipFill>
+          <p:spPr>
+            <a:xfrm rot="-3837203" flipH="1">
+              <a:off x="7062529" y="3231292"/>
+              <a:ext cx="1466142" cy="1487715"/>
+            </a:xfrm>
+            <a:prstGeom prst="rect">
+              <a:avLst/>
+            </a:prstGeom>
+            <a:noFill/>
+            <a:ln>
+              <a:noFill/>
+            </a:ln>
+            <a:effectLst>
+              <a:outerShdw blurRad="57150" dist="19050" dir="5400000" algn="bl" rotWithShape="0">
+                <a:srgbClr val="000000">
+                  <a:alpha val="25000"/>
+                </a:srgbClr>
+              </a:outerShdw>
+            </a:effectLst>
+          </p:spPr>
+        </p:pic>
+        <p:pic>
+          <p:nvPicPr>
+            <p:cNvPr id="392" name="Google Shape;392;p42"/>
+            <p:cNvPicPr preferRelativeResize="0"/>
+            <p:nvPr/>
+          </p:nvPicPr>
+          <p:blipFill>
+            <a:blip r:embed="rId4">
+              <a:alphaModFix/>
+            </a:blip>
+            <a:stretch>
+              <a:fillRect/>
+            </a:stretch>
+          </p:blipFill>
+          <p:spPr>
+            <a:xfrm rot="4115103" flipH="1">
+              <a:off x="7216789" y="2702963"/>
+              <a:ext cx="1538633" cy="1563662"/>
+            </a:xfrm>
+            <a:prstGeom prst="rect">
+              <a:avLst/>
+            </a:prstGeom>
+            <a:noFill/>
+            <a:ln>
+              <a:noFill/>
+            </a:ln>
+            <a:effectLst>
+              <a:outerShdw blurRad="57150" dist="19050" dir="5400000" algn="bl" rotWithShape="0">
+                <a:srgbClr val="000000">
+                  <a:alpha val="25000"/>
+                </a:srgbClr>
+              </a:outerShdw>
+            </a:effectLst>
+          </p:spPr>
+        </p:pic>
+      </p:grpSp>
+      <p:sp>
+        <p:nvSpPr>
+          <p:cNvPr id="393" name="Google Shape;393;p42"/>
+          <p:cNvSpPr txBox="1">
+            <a:spLocks noGrp="1"/>
+          </p:cNvSpPr>
+          <p:nvPr>
+            <p:ph type="title"/>
+          </p:nvPr>
+        </p:nvSpPr>
+        <p:spPr>
+          <a:xfrm>
+            <a:off x="1966178" y="384075"/>
+            <a:ext cx="5798727" cy="1173900"/>
+          </a:xfrm>
+          <a:prstGeom prst="rect">
+            <a:avLst/>
+          </a:prstGeom>
+        </p:spPr>
+        <p:txBody>
+          <a:bodyPr spcFirstLastPara="1" wrap="square" lIns="91425" tIns="91425" rIns="91425" bIns="91425" anchor="t" anchorCtr="0">
+            <a:noAutofit/>
+          </a:bodyPr>
+          <a:lstStyle/>
+          <a:p>
+            <a:pPr marL="0" lvl="0" indent="0" algn="l" rtl="0">
+              <a:spcBef>
+                <a:spcPts val="0"/>
+              </a:spcBef>
+              <a:spcAft>
+                <a:spcPts val="0"/>
+              </a:spcAft>
+              <a:buNone/>
+            </a:pPr>
+            <a:r>
+              <a:rPr lang="en" dirty="0"/>
+              <a:t>Ergebnis Lineare Regression</a:t>
+            </a:r>
+            <a:endParaRPr dirty="0"/>
+          </a:p>
+        </p:txBody>
+      </p:sp>
+      <p:sp>
+        <p:nvSpPr>
+          <p:cNvPr id="394" name="Google Shape;394;p42"/>
+          <p:cNvSpPr txBox="1">
+            <a:spLocks noGrp="1"/>
+          </p:cNvSpPr>
+          <p:nvPr>
+            <p:ph type="subTitle" idx="1"/>
+          </p:nvPr>
+        </p:nvSpPr>
+        <p:spPr>
+          <a:xfrm>
+            <a:off x="870800" y="1628551"/>
+            <a:ext cx="4600221" cy="2203500"/>
+          </a:xfrm>
+          <a:prstGeom prst="rect">
+            <a:avLst/>
+          </a:prstGeom>
+        </p:spPr>
+        <p:txBody>
+          <a:bodyPr spcFirstLastPara="1" wrap="square" lIns="91425" tIns="91425" rIns="91425" bIns="91425" anchor="t" anchorCtr="0">
+            <a:noAutofit/>
+          </a:bodyPr>
+          <a:lstStyle/>
+          <a:p>
+            <a:pPr marL="285750" indent="-285750">
+              <a:buSzPts val="1100"/>
+            </a:pPr>
+            <a:r>
+              <a:rPr lang="de-DE" dirty="0"/>
+              <a:t>Die Regressionsgeraden sind nahezu flach</a:t>
+            </a:r>
+          </a:p>
+          <a:p>
+            <a:pPr marL="285750" indent="-285750">
+              <a:buSzPts val="1100"/>
+            </a:pPr>
+            <a:r>
+              <a:rPr lang="de-DE" dirty="0"/>
+              <a:t>Bei den Landwerten zeigt die Tendenz eine leichte Abnahme</a:t>
+            </a:r>
+          </a:p>
+          <a:p>
+            <a:pPr marL="285750" indent="-285750">
+              <a:buSzPts val="1100"/>
+            </a:pPr>
+            <a:r>
+              <a:rPr lang="de-DE" dirty="0"/>
+              <a:t>In der Stadt weisen die Regressionsgeraden eine leicht steigende Tendenz auf</a:t>
+            </a:r>
+            <a:endParaRPr dirty="0"/>
+          </a:p>
+        </p:txBody>
+      </p:sp>
+      <p:pic>
+        <p:nvPicPr>
+          <p:cNvPr id="395" name="Google Shape;395;p42"/>
+          <p:cNvPicPr preferRelativeResize="0"/>
+          <p:nvPr/>
+        </p:nvPicPr>
+        <p:blipFill>
+          <a:blip r:embed="rId5">
+            <a:alphaModFix/>
+          </a:blip>
+          <a:stretch>
+            <a:fillRect/>
+          </a:stretch>
+        </p:blipFill>
+        <p:spPr>
+          <a:xfrm rot="-5782022" flipH="1">
+            <a:off x="4554690" y="3988109"/>
+            <a:ext cx="491922" cy="767231"/>
+          </a:xfrm>
+          <a:prstGeom prst="rect">
+            <a:avLst/>
+          </a:prstGeom>
+          <a:noFill/>
+          <a:ln>
+            <a:noFill/>
+          </a:ln>
+          <a:effectLst>
+            <a:outerShdw blurRad="57150" dist="19050" dir="5400000" algn="bl" rotWithShape="0">
+              <a:srgbClr val="000000">
+                <a:alpha val="25000"/>
+              </a:srgbClr>
+            </a:outerShdw>
+          </a:effectLst>
+        </p:spPr>
+      </p:pic>
+      <p:sp>
+        <p:nvSpPr>
+          <p:cNvPr id="3" name="Bildplatzhalter 2">
+            <a:extLst>
+              <a:ext uri="{FF2B5EF4-FFF2-40B4-BE49-F238E27FC236}">
+                <a16:creationId xmlns:a16="http://schemas.microsoft.com/office/drawing/2014/main" id="{734F3267-2050-0410-0B12-5F0275B33E34}"/>
+              </a:ext>
+            </a:extLst>
+          </p:cNvPr>
+          <p:cNvSpPr>
+            <a:spLocks noGrp="1"/>
+          </p:cNvSpPr>
+          <p:nvPr>
+            <p:ph type="pic" idx="2"/>
+          </p:nvPr>
+        </p:nvSpPr>
+        <p:spPr/>
+        <p:txBody>
+          <a:bodyPr/>
+          <a:lstStyle/>
+          <a:p>
+            <a:endParaRPr lang="de-DE" dirty="0"/>
+          </a:p>
+        </p:txBody>
+      </p:sp>
+      <p:pic>
+        <p:nvPicPr>
+          <p:cNvPr id="7" name="Grafik 6">
+            <a:extLst>
+              <a:ext uri="{FF2B5EF4-FFF2-40B4-BE49-F238E27FC236}">
+                <a16:creationId xmlns:a16="http://schemas.microsoft.com/office/drawing/2014/main" id="{A9977DE6-2C5E-1BF8-4ED7-72B7E227ADD8}"/>
+              </a:ext>
+            </a:extLst>
+          </p:cNvPr>
+          <p:cNvPicPr>
+            <a:picLocks noChangeAspect="1"/>
+          </p:cNvPicPr>
+          <p:nvPr/>
+        </p:nvPicPr>
+        <p:blipFill>
+          <a:blip r:embed="rId6"/>
+          <a:stretch>
+            <a:fillRect/>
+          </a:stretch>
+        </p:blipFill>
+        <p:spPr>
+          <a:xfrm>
+            <a:off x="6077359" y="1671750"/>
+            <a:ext cx="1800000" cy="1800000"/>
+          </a:xfrm>
+          <a:prstGeom prst="rect">
+            <a:avLst/>
+          </a:prstGeom>
+        </p:spPr>
+      </p:pic>
+    </p:spTree>
+    <p:extLst>
+      <p:ext uri="{BB962C8B-B14F-4D97-AF65-F5344CB8AC3E}">
+        <p14:creationId xmlns:p14="http://schemas.microsoft.com/office/powerpoint/2010/main" val="2144934506"/>
+      </p:ext>
+    </p:extLst>
+  </p:cSld>
+  <p:clrMapOvr>
+    <a:masterClrMapping/>
+  </p:clrMapOvr>
+</p:sld>
+</file>
+
+<file path=ppt/slides/slide14.xml><?xml version="1.0" encoding="utf-8"?>
 <p:sld xmlns:a="http://schemas.openxmlformats.org/drawingml/2006/main" xmlns:r="http://schemas.openxmlformats.org/officeDocument/2006/relationships" xmlns:p="http://schemas.openxmlformats.org/presentationml/2006/main">
   <p:cSld>
     <p:spTree>
@@ -22270,6 +22690,701 @@
         </p:nvGrpSpPr>
         <p:grpSpPr>
           <a:xfrm>
+            <a:off x="7666066" y="3045699"/>
+            <a:ext cx="2189451" cy="2477274"/>
+            <a:chOff x="6805399" y="2483126"/>
+            <a:chExt cx="2189451" cy="2477274"/>
+          </a:xfrm>
+        </p:grpSpPr>
+        <p:pic>
+          <p:nvPicPr>
+            <p:cNvPr id="391" name="Google Shape;391;p42"/>
+            <p:cNvPicPr preferRelativeResize="0"/>
+            <p:nvPr/>
+          </p:nvPicPr>
+          <p:blipFill>
+            <a:blip r:embed="rId3">
+              <a:alphaModFix/>
+            </a:blip>
+            <a:stretch>
+              <a:fillRect/>
+            </a:stretch>
+          </p:blipFill>
+          <p:spPr>
+            <a:xfrm rot="-3837203" flipH="1">
+              <a:off x="7062529" y="3231292"/>
+              <a:ext cx="1466142" cy="1487715"/>
+            </a:xfrm>
+            <a:prstGeom prst="rect">
+              <a:avLst/>
+            </a:prstGeom>
+            <a:noFill/>
+            <a:ln>
+              <a:noFill/>
+            </a:ln>
+            <a:effectLst>
+              <a:outerShdw blurRad="57150" dist="19050" dir="5400000" algn="bl" rotWithShape="0">
+                <a:srgbClr val="000000">
+                  <a:alpha val="25000"/>
+                </a:srgbClr>
+              </a:outerShdw>
+            </a:effectLst>
+          </p:spPr>
+        </p:pic>
+        <p:pic>
+          <p:nvPicPr>
+            <p:cNvPr id="392" name="Google Shape;392;p42"/>
+            <p:cNvPicPr preferRelativeResize="0"/>
+            <p:nvPr/>
+          </p:nvPicPr>
+          <p:blipFill>
+            <a:blip r:embed="rId4">
+              <a:alphaModFix/>
+            </a:blip>
+            <a:stretch>
+              <a:fillRect/>
+            </a:stretch>
+          </p:blipFill>
+          <p:spPr>
+            <a:xfrm rot="4115103" flipH="1">
+              <a:off x="7216789" y="2702963"/>
+              <a:ext cx="1538633" cy="1563662"/>
+            </a:xfrm>
+            <a:prstGeom prst="rect">
+              <a:avLst/>
+            </a:prstGeom>
+            <a:noFill/>
+            <a:ln>
+              <a:noFill/>
+            </a:ln>
+            <a:effectLst>
+              <a:outerShdw blurRad="57150" dist="19050" dir="5400000" algn="bl" rotWithShape="0">
+                <a:srgbClr val="000000">
+                  <a:alpha val="25000"/>
+                </a:srgbClr>
+              </a:outerShdw>
+            </a:effectLst>
+          </p:spPr>
+        </p:pic>
+      </p:grpSp>
+      <p:sp>
+        <p:nvSpPr>
+          <p:cNvPr id="393" name="Google Shape;393;p42"/>
+          <p:cNvSpPr txBox="1">
+            <a:spLocks noGrp="1"/>
+          </p:cNvSpPr>
+          <p:nvPr>
+            <p:ph type="title"/>
+          </p:nvPr>
+        </p:nvSpPr>
+        <p:spPr>
+          <a:xfrm>
+            <a:off x="806605" y="343920"/>
+            <a:ext cx="7530790" cy="1173900"/>
+          </a:xfrm>
+          <a:prstGeom prst="rect">
+            <a:avLst/>
+          </a:prstGeom>
+        </p:spPr>
+        <p:txBody>
+          <a:bodyPr spcFirstLastPara="1" wrap="square" lIns="91425" tIns="91425" rIns="91425" bIns="91425" anchor="t" anchorCtr="0">
+            <a:noAutofit/>
+          </a:bodyPr>
+          <a:lstStyle/>
+          <a:p>
+            <a:pPr marL="0" lvl="0" indent="0" algn="l" rtl="0">
+              <a:spcBef>
+                <a:spcPts val="0"/>
+              </a:spcBef>
+              <a:spcAft>
+                <a:spcPts val="0"/>
+              </a:spcAft>
+              <a:buNone/>
+            </a:pPr>
+            <a:r>
+              <a:rPr lang="en" dirty="0"/>
+              <a:t>Vergleich der Herangehensweisen</a:t>
+            </a:r>
+            <a:endParaRPr dirty="0"/>
+          </a:p>
+        </p:txBody>
+      </p:sp>
+      <p:pic>
+        <p:nvPicPr>
+          <p:cNvPr id="395" name="Google Shape;395;p42"/>
+          <p:cNvPicPr preferRelativeResize="0"/>
+          <p:nvPr/>
+        </p:nvPicPr>
+        <p:blipFill>
+          <a:blip r:embed="rId5">
+            <a:alphaModFix/>
+          </a:blip>
+          <a:stretch>
+            <a:fillRect/>
+          </a:stretch>
+        </p:blipFill>
+        <p:spPr>
+          <a:xfrm rot="-5782022" flipH="1">
+            <a:off x="4382303" y="4428942"/>
+            <a:ext cx="491922" cy="767231"/>
+          </a:xfrm>
+          <a:prstGeom prst="rect">
+            <a:avLst/>
+          </a:prstGeom>
+          <a:noFill/>
+          <a:ln>
+            <a:noFill/>
+          </a:ln>
+          <a:effectLst>
+            <a:outerShdw blurRad="57150" dist="19050" dir="5400000" algn="bl" rotWithShape="0">
+              <a:srgbClr val="000000">
+                <a:alpha val="25000"/>
+              </a:srgbClr>
+            </a:outerShdw>
+          </a:effectLst>
+        </p:spPr>
+      </p:pic>
+      <p:sp>
+        <p:nvSpPr>
+          <p:cNvPr id="3" name="Bildplatzhalter 2">
+            <a:extLst>
+              <a:ext uri="{FF2B5EF4-FFF2-40B4-BE49-F238E27FC236}">
+                <a16:creationId xmlns:a16="http://schemas.microsoft.com/office/drawing/2014/main" id="{734F3267-2050-0410-0B12-5F0275B33E34}"/>
+              </a:ext>
+            </a:extLst>
+          </p:cNvPr>
+          <p:cNvSpPr>
+            <a:spLocks noGrp="1"/>
+          </p:cNvSpPr>
+          <p:nvPr>
+            <p:ph type="pic" idx="2"/>
+          </p:nvPr>
+        </p:nvSpPr>
+        <p:spPr>
+          <a:xfrm>
+            <a:off x="8410159" y="4432971"/>
+            <a:ext cx="243187" cy="379587"/>
+          </a:xfrm>
+        </p:spPr>
+        <p:txBody>
+          <a:bodyPr/>
+          <a:lstStyle/>
+          <a:p>
+            <a:endParaRPr lang="de-DE" sz="1600" dirty="0">
+              <a:solidFill>
+                <a:schemeClr val="dk1"/>
+              </a:solidFill>
+              <a:latin typeface="Hind Madurai"/>
+              <a:cs typeface="Hind Madurai"/>
+              <a:sym typeface="Hind Madurai"/>
+            </a:endParaRPr>
+          </a:p>
+        </p:txBody>
+      </p:sp>
+      <p:sp>
+        <p:nvSpPr>
+          <p:cNvPr id="4" name="Untertitel 3">
+            <a:extLst>
+              <a:ext uri="{FF2B5EF4-FFF2-40B4-BE49-F238E27FC236}">
+                <a16:creationId xmlns:a16="http://schemas.microsoft.com/office/drawing/2014/main" id="{49782E03-5752-12D1-D2CA-23C7020D6BFC}"/>
+              </a:ext>
+            </a:extLst>
+          </p:cNvPr>
+          <p:cNvSpPr>
+            <a:spLocks noGrp="1"/>
+          </p:cNvSpPr>
+          <p:nvPr>
+            <p:ph type="subTitle" idx="1"/>
+          </p:nvPr>
+        </p:nvSpPr>
+        <p:spPr>
+          <a:xfrm flipV="1">
+            <a:off x="7666068" y="4876151"/>
+            <a:ext cx="933776" cy="84247"/>
+          </a:xfrm>
+        </p:spPr>
+        <p:txBody>
+          <a:bodyPr/>
+          <a:lstStyle/>
+          <a:p>
+            <a:endParaRPr lang="de-DE" dirty="0"/>
+          </a:p>
+        </p:txBody>
+      </p:sp>
+      <p:graphicFrame>
+        <p:nvGraphicFramePr>
+          <p:cNvPr id="5" name="Tabelle 4">
+            <a:extLst>
+              <a:ext uri="{FF2B5EF4-FFF2-40B4-BE49-F238E27FC236}">
+                <a16:creationId xmlns:a16="http://schemas.microsoft.com/office/drawing/2014/main" id="{CA1B62C7-474B-1752-DF27-5544F7F42380}"/>
+              </a:ext>
+            </a:extLst>
+          </p:cNvPr>
+          <p:cNvGraphicFramePr>
+            <a:graphicFrameLocks noGrp="1"/>
+          </p:cNvGraphicFramePr>
+          <p:nvPr>
+            <p:extLst>
+              <p:ext uri="{D42A27DB-BD31-4B8C-83A1-F6EECF244321}">
+                <p14:modId xmlns:p14="http://schemas.microsoft.com/office/powerpoint/2010/main" val="3043711931"/>
+              </p:ext>
+            </p:extLst>
+          </p:nvPr>
+        </p:nvGraphicFramePr>
+        <p:xfrm>
+          <a:off x="1469465" y="1436437"/>
+          <a:ext cx="5500545" cy="3157540"/>
+        </p:xfrm>
+        <a:graphic>
+          <a:graphicData uri="http://schemas.openxmlformats.org/drawingml/2006/table">
+            <a:tbl>
+              <a:tblPr firstRow="1" bandRow="1">
+                <a:tableStyleId>{42FDE100-919E-400E-8F91-BB5DF1A44C75}</a:tableStyleId>
+              </a:tblPr>
+              <a:tblGrid>
+                <a:gridCol w="1100109">
+                  <a:extLst>
+                    <a:ext uri="{9D8B030D-6E8A-4147-A177-3AD203B41FA5}">
+                      <a16:colId xmlns:a16="http://schemas.microsoft.com/office/drawing/2014/main" val="2802860059"/>
+                    </a:ext>
+                  </a:extLst>
+                </a:gridCol>
+                <a:gridCol w="1100109">
+                  <a:extLst>
+                    <a:ext uri="{9D8B030D-6E8A-4147-A177-3AD203B41FA5}">
+                      <a16:colId xmlns:a16="http://schemas.microsoft.com/office/drawing/2014/main" val="2518587239"/>
+                    </a:ext>
+                  </a:extLst>
+                </a:gridCol>
+                <a:gridCol w="1100109">
+                  <a:extLst>
+                    <a:ext uri="{9D8B030D-6E8A-4147-A177-3AD203B41FA5}">
+                      <a16:colId xmlns:a16="http://schemas.microsoft.com/office/drawing/2014/main" val="4288472206"/>
+                    </a:ext>
+                  </a:extLst>
+                </a:gridCol>
+                <a:gridCol w="1100109">
+                  <a:extLst>
+                    <a:ext uri="{9D8B030D-6E8A-4147-A177-3AD203B41FA5}">
+                      <a16:colId xmlns:a16="http://schemas.microsoft.com/office/drawing/2014/main" val="889635718"/>
+                    </a:ext>
+                  </a:extLst>
+                </a:gridCol>
+                <a:gridCol w="1100109">
+                  <a:extLst>
+                    <a:ext uri="{9D8B030D-6E8A-4147-A177-3AD203B41FA5}">
+                      <a16:colId xmlns:a16="http://schemas.microsoft.com/office/drawing/2014/main" val="2911141566"/>
+                    </a:ext>
+                  </a:extLst>
+                </a:gridCol>
+              </a:tblGrid>
+              <a:tr h="631508">
+                <a:tc>
+                  <a:txBody>
+                    <a:bodyPr/>
+                    <a:lstStyle/>
+                    <a:p>
+                      <a:endParaRPr lang="de-DE" dirty="0"/>
+                    </a:p>
+                  </a:txBody>
+                  <a:tcPr/>
+                </a:tc>
+                <a:tc>
+                  <a:txBody>
+                    <a:bodyPr/>
+                    <a:lstStyle/>
+                    <a:p>
+                      <a:r>
+                        <a:rPr lang="de-DE" dirty="0" err="1"/>
+                        <a:t>Arith</a:t>
+                      </a:r>
+                      <a:r>
+                        <a:rPr lang="de-DE" dirty="0"/>
+                        <a:t>. Mittel</a:t>
+                      </a:r>
+                    </a:p>
+                  </a:txBody>
+                  <a:tcPr/>
+                </a:tc>
+                <a:tc>
+                  <a:txBody>
+                    <a:bodyPr/>
+                    <a:lstStyle/>
+                    <a:p>
+                      <a:r>
+                        <a:rPr lang="de-DE" dirty="0"/>
+                        <a:t>Naive Methode</a:t>
+                      </a:r>
+                    </a:p>
+                  </a:txBody>
+                  <a:tcPr/>
+                </a:tc>
+                <a:tc>
+                  <a:txBody>
+                    <a:bodyPr/>
+                    <a:lstStyle/>
+                    <a:p>
+                      <a:r>
+                        <a:rPr lang="de-DE" dirty="0"/>
+                        <a:t>Naive Saisonale</a:t>
+                      </a:r>
+                    </a:p>
+                  </a:txBody>
+                  <a:tcPr/>
+                </a:tc>
+                <a:tc>
+                  <a:txBody>
+                    <a:bodyPr/>
+                    <a:lstStyle/>
+                    <a:p>
+                      <a:r>
+                        <a:rPr lang="de-DE" dirty="0" err="1"/>
+                        <a:t>Expon</a:t>
+                      </a:r>
+                      <a:r>
+                        <a:rPr lang="de-DE" dirty="0"/>
+                        <a:t>. Glättung</a:t>
+                      </a:r>
+                    </a:p>
+                  </a:txBody>
+                  <a:tcPr/>
+                </a:tc>
+                <a:extLst>
+                  <a:ext uri="{0D108BD9-81ED-4DB2-BD59-A6C34878D82A}">
+                    <a16:rowId xmlns:a16="http://schemas.microsoft.com/office/drawing/2014/main" val="1794345479"/>
+                  </a:ext>
+                </a:extLst>
+              </a:tr>
+              <a:tr h="631508">
+                <a:tc>
+                  <a:txBody>
+                    <a:bodyPr/>
+                    <a:lstStyle/>
+                    <a:p>
+                      <a:r>
+                        <a:rPr lang="de-DE" dirty="0"/>
+                        <a:t>Land PM2.5</a:t>
+                      </a:r>
+                    </a:p>
+                  </a:txBody>
+                  <a:tcPr/>
+                </a:tc>
+                <a:tc>
+                  <a:txBody>
+                    <a:bodyPr/>
+                    <a:lstStyle/>
+                    <a:p>
+                      <a:r>
+                        <a:rPr lang="de-DE" dirty="0"/>
+                        <a:t>1.57</a:t>
+                      </a:r>
+                    </a:p>
+                  </a:txBody>
+                  <a:tcPr/>
+                </a:tc>
+                <a:tc>
+                  <a:txBody>
+                    <a:bodyPr/>
+                    <a:lstStyle/>
+                    <a:p>
+                      <a:r>
+                        <a:rPr lang="de-DE" dirty="0"/>
+                        <a:t>1.59</a:t>
+                      </a:r>
+                    </a:p>
+                  </a:txBody>
+                  <a:tcPr/>
+                </a:tc>
+                <a:tc>
+                  <a:txBody>
+                    <a:bodyPr/>
+                    <a:lstStyle/>
+                    <a:p>
+                      <a:r>
+                        <a:rPr lang="de-DE" dirty="0"/>
+                        <a:t>2.68</a:t>
+                      </a:r>
+                    </a:p>
+                  </a:txBody>
+                  <a:tcPr/>
+                </a:tc>
+                <a:tc>
+                  <a:txBody>
+                    <a:bodyPr/>
+                    <a:lstStyle/>
+                    <a:p>
+                      <a:r>
+                        <a:rPr lang="de-DE" dirty="0"/>
+                        <a:t>1.23</a:t>
+                      </a:r>
+                    </a:p>
+                  </a:txBody>
+                  <a:tcPr/>
+                </a:tc>
+                <a:extLst>
+                  <a:ext uri="{0D108BD9-81ED-4DB2-BD59-A6C34878D82A}">
+                    <a16:rowId xmlns:a16="http://schemas.microsoft.com/office/drawing/2014/main" val="3274196028"/>
+                  </a:ext>
+                </a:extLst>
+              </a:tr>
+              <a:tr h="631508">
+                <a:tc>
+                  <a:txBody>
+                    <a:bodyPr/>
+                    <a:lstStyle/>
+                    <a:p>
+                      <a:r>
+                        <a:rPr lang="de-DE" dirty="0"/>
+                        <a:t>Land PM10</a:t>
+                      </a:r>
+                    </a:p>
+                  </a:txBody>
+                  <a:tcPr/>
+                </a:tc>
+                <a:tc>
+                  <a:txBody>
+                    <a:bodyPr/>
+                    <a:lstStyle/>
+                    <a:p>
+                      <a:r>
+                        <a:rPr lang="de-DE" dirty="0"/>
+                        <a:t>2.73</a:t>
+                      </a:r>
+                    </a:p>
+                  </a:txBody>
+                  <a:tcPr/>
+                </a:tc>
+                <a:tc>
+                  <a:txBody>
+                    <a:bodyPr/>
+                    <a:lstStyle/>
+                    <a:p>
+                      <a:r>
+                        <a:rPr lang="de-DE" dirty="0"/>
+                        <a:t>2.4</a:t>
+                      </a:r>
+                    </a:p>
+                  </a:txBody>
+                  <a:tcPr/>
+                </a:tc>
+                <a:tc>
+                  <a:txBody>
+                    <a:bodyPr/>
+                    <a:lstStyle/>
+                    <a:p>
+                      <a:r>
+                        <a:rPr lang="de-DE" dirty="0"/>
+                        <a:t>4.21</a:t>
+                      </a:r>
+                    </a:p>
+                  </a:txBody>
+                  <a:tcPr/>
+                </a:tc>
+                <a:tc>
+                  <a:txBody>
+                    <a:bodyPr/>
+                    <a:lstStyle/>
+                    <a:p>
+                      <a:r>
+                        <a:rPr lang="de-DE" dirty="0"/>
+                        <a:t>1.97</a:t>
+                      </a:r>
+                    </a:p>
+                  </a:txBody>
+                  <a:tcPr/>
+                </a:tc>
+                <a:extLst>
+                  <a:ext uri="{0D108BD9-81ED-4DB2-BD59-A6C34878D82A}">
+                    <a16:rowId xmlns:a16="http://schemas.microsoft.com/office/drawing/2014/main" val="1673068639"/>
+                  </a:ext>
+                </a:extLst>
+              </a:tr>
+              <a:tr h="631508">
+                <a:tc>
+                  <a:txBody>
+                    <a:bodyPr/>
+                    <a:lstStyle/>
+                    <a:p>
+                      <a:r>
+                        <a:rPr lang="de-DE" dirty="0"/>
+                        <a:t>Stadt PM2.5</a:t>
+                      </a:r>
+                    </a:p>
+                  </a:txBody>
+                  <a:tcPr/>
+                </a:tc>
+                <a:tc>
+                  <a:txBody>
+                    <a:bodyPr/>
+                    <a:lstStyle/>
+                    <a:p>
+                      <a:r>
+                        <a:rPr lang="de-DE" dirty="0"/>
+                        <a:t>2.57</a:t>
+                      </a:r>
+                    </a:p>
+                  </a:txBody>
+                  <a:tcPr/>
+                </a:tc>
+                <a:tc>
+                  <a:txBody>
+                    <a:bodyPr/>
+                    <a:lstStyle/>
+                    <a:p>
+                      <a:r>
+                        <a:rPr lang="de-DE" dirty="0"/>
+                        <a:t>2.43</a:t>
+                      </a:r>
+                    </a:p>
+                  </a:txBody>
+                  <a:tcPr/>
+                </a:tc>
+                <a:tc>
+                  <a:txBody>
+                    <a:bodyPr/>
+                    <a:lstStyle/>
+                    <a:p>
+                      <a:r>
+                        <a:rPr lang="de-DE" dirty="0"/>
+                        <a:t>4.16</a:t>
+                      </a:r>
+                    </a:p>
+                  </a:txBody>
+                  <a:tcPr/>
+                </a:tc>
+                <a:tc>
+                  <a:txBody>
+                    <a:bodyPr/>
+                    <a:lstStyle/>
+                    <a:p>
+                      <a:r>
+                        <a:rPr lang="de-DE" dirty="0"/>
+                        <a:t>3.26</a:t>
+                      </a:r>
+                    </a:p>
+                  </a:txBody>
+                  <a:tcPr/>
+                </a:tc>
+                <a:extLst>
+                  <a:ext uri="{0D108BD9-81ED-4DB2-BD59-A6C34878D82A}">
+                    <a16:rowId xmlns:a16="http://schemas.microsoft.com/office/drawing/2014/main" val="1710498868"/>
+                  </a:ext>
+                </a:extLst>
+              </a:tr>
+              <a:tr h="631508">
+                <a:tc>
+                  <a:txBody>
+                    <a:bodyPr/>
+                    <a:lstStyle/>
+                    <a:p>
+                      <a:r>
+                        <a:rPr lang="de-DE" dirty="0"/>
+                        <a:t>Stadt PM10</a:t>
+                      </a:r>
+                    </a:p>
+                  </a:txBody>
+                  <a:tcPr/>
+                </a:tc>
+                <a:tc>
+                  <a:txBody>
+                    <a:bodyPr/>
+                    <a:lstStyle/>
+                    <a:p>
+                      <a:r>
+                        <a:rPr lang="de-DE" dirty="0"/>
+                        <a:t>4.88</a:t>
+                      </a:r>
+                    </a:p>
+                  </a:txBody>
+                  <a:tcPr/>
+                </a:tc>
+                <a:tc>
+                  <a:txBody>
+                    <a:bodyPr/>
+                    <a:lstStyle/>
+                    <a:p>
+                      <a:r>
+                        <a:rPr lang="de-DE" dirty="0"/>
+                        <a:t>5.13</a:t>
+                      </a:r>
+                    </a:p>
+                  </a:txBody>
+                  <a:tcPr/>
+                </a:tc>
+                <a:tc>
+                  <a:txBody>
+                    <a:bodyPr/>
+                    <a:lstStyle/>
+                    <a:p>
+                      <a:r>
+                        <a:rPr lang="de-DE" dirty="0"/>
+                        <a:t>8.3</a:t>
+                      </a:r>
+                    </a:p>
+                  </a:txBody>
+                  <a:tcPr/>
+                </a:tc>
+                <a:tc>
+                  <a:txBody>
+                    <a:bodyPr/>
+                    <a:lstStyle/>
+                    <a:p>
+                      <a:r>
+                        <a:rPr lang="de-DE" dirty="0"/>
+                        <a:t>5.75</a:t>
+                      </a:r>
+                    </a:p>
+                  </a:txBody>
+                  <a:tcPr/>
+                </a:tc>
+                <a:extLst>
+                  <a:ext uri="{0D108BD9-81ED-4DB2-BD59-A6C34878D82A}">
+                    <a16:rowId xmlns:a16="http://schemas.microsoft.com/office/drawing/2014/main" val="2327497287"/>
+                  </a:ext>
+                </a:extLst>
+              </a:tr>
+            </a:tbl>
+          </a:graphicData>
+        </a:graphic>
+      </p:graphicFrame>
+    </p:spTree>
+    <p:extLst>
+      <p:ext uri="{BB962C8B-B14F-4D97-AF65-F5344CB8AC3E}">
+        <p14:creationId xmlns:p14="http://schemas.microsoft.com/office/powerpoint/2010/main" val="2140292792"/>
+      </p:ext>
+    </p:extLst>
+  </p:cSld>
+  <p:clrMapOvr>
+    <a:masterClrMapping/>
+  </p:clrMapOvr>
+</p:sld>
+</file>
+
+<file path=ppt/slides/slide9.xml><?xml version="1.0" encoding="utf-8"?>
+<p:sld xmlns:a="http://schemas.openxmlformats.org/drawingml/2006/main" xmlns:r="http://schemas.openxmlformats.org/officeDocument/2006/relationships" xmlns:p="http://schemas.openxmlformats.org/presentationml/2006/main">
+  <p:cSld>
+    <p:spTree>
+      <p:nvGrpSpPr>
+        <p:cNvPr id="1" name="Shape 389"/>
+        <p:cNvGrpSpPr/>
+        <p:nvPr/>
+      </p:nvGrpSpPr>
+      <p:grpSpPr>
+        <a:xfrm>
+          <a:off x="0" y="0"/>
+          <a:ext cx="0" cy="0"/>
+          <a:chOff x="0" y="0"/>
+          <a:chExt cx="0" cy="0"/>
+        </a:xfrm>
+      </p:grpSpPr>
+      <p:grpSp>
+        <p:nvGrpSpPr>
+          <p:cNvPr id="390" name="Google Shape;390;p42"/>
+          <p:cNvGrpSpPr/>
+          <p:nvPr/>
+        </p:nvGrpSpPr>
+        <p:grpSpPr>
+          <a:xfrm>
             <a:off x="6805399" y="2483126"/>
             <a:ext cx="2189451" cy="2477274"/>
             <a:chOff x="6805399" y="2483126"/>
@@ -22359,8 +23474,8 @@
         </p:nvSpPr>
         <p:spPr>
           <a:xfrm>
-            <a:off x="2506925" y="471800"/>
-            <a:ext cx="3770400" cy="1173900"/>
+            <a:off x="1966178" y="384075"/>
+            <a:ext cx="2010045" cy="1173900"/>
           </a:xfrm>
           <a:prstGeom prst="rect">
             <a:avLst/>
@@ -22401,8 +23516,8 @@
         </p:nvSpPr>
         <p:spPr>
           <a:xfrm>
-            <a:off x="1437221" y="1395152"/>
-            <a:ext cx="4033800" cy="2203500"/>
+            <a:off x="870800" y="1628551"/>
+            <a:ext cx="4600221" cy="2203500"/>
           </a:xfrm>
           <a:prstGeom prst="rect">
             <a:avLst/>
@@ -22419,7 +23534,7 @@
             </a:pPr>
             <a:r>
               <a:rPr lang="de-DE" dirty="0"/>
-              <a:t>Saisonale Forecast hat den größten Fehler</a:t>
+              <a:t>Der saisonale Forecast hat den größten Fehler</a:t>
             </a:r>
           </a:p>
           <a:p>
@@ -22428,7 +23543,7 @@
             </a:pPr>
             <a:r>
               <a:rPr lang="de-DE" dirty="0"/>
-              <a:t>Die Land-Werte haben den geringeren Fehler</a:t>
+              <a:t>Die Vorhersagen für die Landwerte haben die geringsten Fehler</a:t>
             </a:r>
           </a:p>
           <a:p>
@@ -22437,25 +23552,23 @@
             </a:pPr>
             <a:r>
               <a:rPr lang="de-DE" dirty="0"/>
-              <a:t>Die PM2.5-Werte haben den geringeren Fehler</a:t>
+              <a:t>Die exponentielle Glättung ist für die Landwerte die effektivste Methode, aber in der Stadt eine der am wenigsten effektiven</a:t>
             </a:r>
           </a:p>
           <a:p>
-            <a:pPr marL="285750" indent="-285750">
+            <a:pPr marL="0" indent="0">
               <a:buSzPts val="1100"/>
+              <a:buNone/>
             </a:pPr>
             <a:r>
-              <a:rPr lang="de-DE" dirty="0"/>
-              <a:t>Die Exponentielle Glättung ist bei dem Land die effektivste Methode und in der Stadt die zweitschlechteste</a:t>
+              <a:rPr lang="de-DE" dirty="0">
+                <a:sym typeface="Wingdings" panose="05000000000000000000" pitchFamily="2" charset="2"/>
+              </a:rPr>
+              <a:t></a:t>
             </a:r>
-          </a:p>
-          <a:p>
-            <a:pPr marL="285750" indent="-285750">
-              <a:buSzPts val="1100"/>
-            </a:pPr>
             <a:r>
               <a:rPr lang="de-DE" dirty="0"/>
-              <a:t>Die Werte in der Stadt sind viel schwankender</a:t>
+              <a:t>Die Werte in der Stadt sind stärker schwankend</a:t>
             </a:r>
           </a:p>
           <a:p>
@@ -22558,237 +23671,6 @@
         </p:spPr>
       </p:pic>
     </p:spTree>
-  </p:cSld>
-  <p:clrMapOvr>
-    <a:masterClrMapping/>
-  </p:clrMapOvr>
-</p:sld>
-</file>
-
-<file path=ppt/slides/slide9.xml><?xml version="1.0" encoding="utf-8"?>
-<p:sld xmlns:a="http://schemas.openxmlformats.org/drawingml/2006/main" xmlns:r="http://schemas.openxmlformats.org/officeDocument/2006/relationships" xmlns:p="http://schemas.openxmlformats.org/presentationml/2006/main">
-  <p:cSld>
-    <p:spTree>
-      <p:nvGrpSpPr>
-        <p:cNvPr id="1" name="Shape 444"/>
-        <p:cNvGrpSpPr/>
-        <p:nvPr/>
-      </p:nvGrpSpPr>
-      <p:grpSpPr>
-        <a:xfrm>
-          <a:off x="0" y="0"/>
-          <a:ext cx="0" cy="0"/>
-          <a:chOff x="0" y="0"/>
-          <a:chExt cx="0" cy="0"/>
-        </a:xfrm>
-      </p:grpSpPr>
-      <p:sp>
-        <p:nvSpPr>
-          <p:cNvPr id="447" name="Google Shape;447;p45"/>
-          <p:cNvSpPr/>
-          <p:nvPr/>
-        </p:nvSpPr>
-        <p:spPr>
-          <a:xfrm>
-            <a:off x="2328191" y="2256000"/>
-            <a:ext cx="631500" cy="631500"/>
-          </a:xfrm>
-          <a:prstGeom prst="ellipse">
-            <a:avLst/>
-          </a:prstGeom>
-          <a:solidFill>
-            <a:schemeClr val="lt2"/>
-          </a:solidFill>
-          <a:ln>
-            <a:noFill/>
-          </a:ln>
-          <a:effectLst>
-            <a:outerShdw blurRad="57150" dist="19050" dir="5400000" algn="bl" rotWithShape="0">
-              <a:srgbClr val="000000">
-                <a:alpha val="50000"/>
-              </a:srgbClr>
-            </a:outerShdw>
-          </a:effectLst>
-        </p:spPr>
-        <p:txBody>
-          <a:bodyPr spcFirstLastPara="1" wrap="square" lIns="91425" tIns="91425" rIns="91425" bIns="91425" anchor="ctr" anchorCtr="0">
-            <a:noAutofit/>
-          </a:bodyPr>
-          <a:lstStyle/>
-          <a:p>
-            <a:pPr marL="0" lvl="0" indent="0" algn="ctr" rtl="0">
-              <a:spcBef>
-                <a:spcPts val="0"/>
-              </a:spcBef>
-              <a:spcAft>
-                <a:spcPts val="0"/>
-              </a:spcAft>
-              <a:buNone/>
-            </a:pPr>
-            <a:endParaRPr>
-              <a:latin typeface="Catamaran"/>
-              <a:ea typeface="Catamaran"/>
-              <a:cs typeface="Catamaran"/>
-              <a:sym typeface="Catamaran"/>
-            </a:endParaRPr>
-          </a:p>
-        </p:txBody>
-      </p:sp>
-      <p:sp>
-        <p:nvSpPr>
-          <p:cNvPr id="449" name="Google Shape;449;p45"/>
-          <p:cNvSpPr txBox="1">
-            <a:spLocks noGrp="1"/>
-          </p:cNvSpPr>
-          <p:nvPr>
-            <p:ph type="title"/>
-          </p:nvPr>
-        </p:nvSpPr>
-        <p:spPr>
-          <a:xfrm>
-            <a:off x="719999" y="445025"/>
-            <a:ext cx="7948215" cy="572700"/>
-          </a:xfrm>
-          <a:prstGeom prst="rect">
-            <a:avLst/>
-          </a:prstGeom>
-        </p:spPr>
-        <p:txBody>
-          <a:bodyPr spcFirstLastPara="1" wrap="square" lIns="91425" tIns="91425" rIns="91425" bIns="91425" anchor="t" anchorCtr="0">
-            <a:noAutofit/>
-          </a:bodyPr>
-          <a:lstStyle/>
-          <a:p>
-            <a:pPr marL="0" lvl="0" indent="0" algn="ctr" rtl="0">
-              <a:spcBef>
-                <a:spcPts val="0"/>
-              </a:spcBef>
-              <a:spcAft>
-                <a:spcPts val="0"/>
-              </a:spcAft>
-              <a:buNone/>
-            </a:pPr>
-            <a:r>
-              <a:rPr lang="en" dirty="0"/>
-              <a:t>Vorhersagemethoden mit neuronalem Netz</a:t>
-            </a:r>
-            <a:endParaRPr dirty="0"/>
-          </a:p>
-        </p:txBody>
-      </p:sp>
-      <p:sp>
-        <p:nvSpPr>
-          <p:cNvPr id="457" name="Google Shape;457;p45"/>
-          <p:cNvSpPr txBox="1">
-            <a:spLocks noGrp="1"/>
-          </p:cNvSpPr>
-          <p:nvPr>
-            <p:ph type="subTitle" idx="8"/>
-          </p:nvPr>
-        </p:nvSpPr>
-        <p:spPr>
-          <a:xfrm>
-            <a:off x="3226768" y="2327550"/>
-            <a:ext cx="4170208" cy="488400"/>
-          </a:xfrm>
-          <a:prstGeom prst="rect">
-            <a:avLst/>
-          </a:prstGeom>
-        </p:spPr>
-        <p:txBody>
-          <a:bodyPr spcFirstLastPara="1" wrap="square" lIns="91425" tIns="91425" rIns="91425" bIns="91425" anchor="b" anchorCtr="0">
-            <a:noAutofit/>
-          </a:bodyPr>
-          <a:lstStyle/>
-          <a:p>
-            <a:pPr marL="0" lvl="0" indent="0" algn="l" rtl="0">
-              <a:spcBef>
-                <a:spcPts val="0"/>
-              </a:spcBef>
-              <a:spcAft>
-                <a:spcPts val="0"/>
-              </a:spcAft>
-              <a:buNone/>
-            </a:pPr>
-            <a:r>
-              <a:rPr lang="en" sz="2000" dirty="0"/>
-              <a:t>LSTM, Long Short Term Memory</a:t>
-            </a:r>
-            <a:endParaRPr sz="2000" dirty="0"/>
-          </a:p>
-        </p:txBody>
-      </p:sp>
-      <p:pic>
-        <p:nvPicPr>
-          <p:cNvPr id="458" name="Google Shape;458;p45"/>
-          <p:cNvPicPr preferRelativeResize="0"/>
-          <p:nvPr/>
-        </p:nvPicPr>
-        <p:blipFill>
-          <a:blip r:embed="rId3">
-            <a:alphaModFix/>
-          </a:blip>
-          <a:stretch>
-            <a:fillRect/>
-          </a:stretch>
-        </p:blipFill>
-        <p:spPr>
-          <a:xfrm rot="5400089">
-            <a:off x="7442790" y="1618809"/>
-            <a:ext cx="491922" cy="767231"/>
-          </a:xfrm>
-          <a:prstGeom prst="rect">
-            <a:avLst/>
-          </a:prstGeom>
-          <a:noFill/>
-          <a:ln>
-            <a:noFill/>
-          </a:ln>
-          <a:effectLst>
-            <a:outerShdw blurRad="57150" dist="19050" dir="5400000" algn="bl" rotWithShape="0">
-              <a:srgbClr val="000000">
-                <a:alpha val="24000"/>
-              </a:srgbClr>
-            </a:outerShdw>
-          </a:effectLst>
-        </p:spPr>
-      </p:pic>
-      <p:pic>
-        <p:nvPicPr>
-          <p:cNvPr id="7" name="Grafik 6">
-            <a:extLst>
-              <a:ext uri="{FF2B5EF4-FFF2-40B4-BE49-F238E27FC236}">
-                <a16:creationId xmlns:a16="http://schemas.microsoft.com/office/drawing/2014/main" id="{380714CF-AAD2-2ECE-5719-3F39F8EC5983}"/>
-              </a:ext>
-            </a:extLst>
-          </p:cNvPr>
-          <p:cNvPicPr>
-            <a:picLocks noChangeAspect="1"/>
-          </p:cNvPicPr>
-          <p:nvPr/>
-        </p:nvPicPr>
-        <p:blipFill>
-          <a:blip r:embed="rId4"/>
-          <a:stretch>
-            <a:fillRect/>
-          </a:stretch>
-        </p:blipFill>
-        <p:spPr>
-          <a:xfrm>
-            <a:off x="2463941" y="2391750"/>
-            <a:ext cx="360000" cy="360000"/>
-          </a:xfrm>
-          <a:prstGeom prst="rect">
-            <a:avLst/>
-          </a:prstGeom>
-        </p:spPr>
-      </p:pic>
-    </p:spTree>
-    <p:extLst>
-      <p:ext uri="{BB962C8B-B14F-4D97-AF65-F5344CB8AC3E}">
-        <p14:creationId xmlns:p14="http://schemas.microsoft.com/office/powerpoint/2010/main" val="2767795348"/>
-      </p:ext>
-    </p:extLst>
   </p:cSld>
   <p:clrMapOvr>
     <a:masterClrMapping/>
